--- a/docs/Presentation/milestone3_presentation.pptx
+++ b/docs/Presentation/milestone3_presentation.pptx
@@ -7,9 +7,10 @@
   <p:sldIdLst>
     <p:sldId id="256" r:id="rId2"/>
     <p:sldId id="257" r:id="rId3"/>
-    <p:sldId id="258" r:id="rId4"/>
-    <p:sldId id="259" r:id="rId5"/>
-    <p:sldId id="260" r:id="rId6"/>
+    <p:sldId id="261" r:id="rId4"/>
+    <p:sldId id="258" r:id="rId5"/>
+    <p:sldId id="259" r:id="rId6"/>
+    <p:sldId id="260" r:id="rId7"/>
   </p:sldIdLst>
   <p:sldSz cx="12192000" cy="6858000"/>
   <p:notesSz cx="6858000" cy="9144000"/>
@@ -108,6 +109,11 @@
       </a:defRPr>
     </a:lvl9pPr>
   </p:defaultTextStyle>
+  <p:extLst>
+    <p:ext uri="{EFAFB233-063F-42B5-8137-9DF3F51BA10A}">
+      <p15:sldGuideLst xmlns:p15="http://schemas.microsoft.com/office/powerpoint/2012/main"/>
+    </p:ext>
+  </p:extLst>
 </p:presentation>
 </file>
 
@@ -281,7 +287,7 @@
             <a:fld id="{87DE6118-2437-4B30-8E3C-4D2BE6020583}" type="datetimeFigureOut">
               <a:rPr lang="en-US" dirty="0"/>
               <a:pPr/>
-              <a:t>10/11/20</a:t>
+              <a:t>10/12/20</a:t>
             </a:fld>
             <a:endParaRPr lang="en-US" dirty="0"/>
           </a:p>
@@ -607,7 +613,7 @@
           <a:p>
             <a:fld id="{87DE6118-2437-4B30-8E3C-4D2BE6020583}" type="datetimeFigureOut">
               <a:rPr lang="en-US" dirty="0"/>
-              <a:t>10/11/20</a:t>
+              <a:t>10/12/20</a:t>
             </a:fld>
             <a:endParaRPr lang="en-US" dirty="0"/>
           </a:p>
@@ -782,7 +788,7 @@
           <a:p>
             <a:fld id="{87DE6118-2437-4B30-8E3C-4D2BE6020583}" type="datetimeFigureOut">
               <a:rPr lang="en-US" dirty="0"/>
-              <a:t>10/11/20</a:t>
+              <a:t>10/12/20</a:t>
             </a:fld>
             <a:endParaRPr lang="en-US" dirty="0"/>
           </a:p>
@@ -947,7 +953,7 @@
           <a:p>
             <a:fld id="{87DE6118-2437-4B30-8E3C-4D2BE6020583}" type="datetimeFigureOut">
               <a:rPr lang="en-US" dirty="0"/>
-              <a:t>10/11/20</a:t>
+              <a:t>10/12/20</a:t>
             </a:fld>
             <a:endParaRPr lang="en-US" dirty="0"/>
           </a:p>
@@ -1220,7 +1226,7 @@
             <a:fld id="{87DE6118-2437-4B30-8E3C-4D2BE6020583}" type="datetimeFigureOut">
               <a:rPr lang="en-US" dirty="0"/>
               <a:pPr/>
-              <a:t>10/11/20</a:t>
+              <a:t>10/12/20</a:t>
             </a:fld>
             <a:endParaRPr lang="en-US" dirty="0"/>
           </a:p>
@@ -1610,7 +1616,7 @@
           <a:p>
             <a:fld id="{87DE6118-2437-4B30-8E3C-4D2BE6020583}" type="datetimeFigureOut">
               <a:rPr lang="en-US" dirty="0"/>
-              <a:t>10/11/20</a:t>
+              <a:t>10/12/20</a:t>
             </a:fld>
             <a:endParaRPr lang="en-US" dirty="0"/>
           </a:p>
@@ -2082,7 +2088,7 @@
           <a:p>
             <a:fld id="{87DE6118-2437-4B30-8E3C-4D2BE6020583}" type="datetimeFigureOut">
               <a:rPr lang="en-US" dirty="0"/>
-              <a:t>10/11/20</a:t>
+              <a:t>10/12/20</a:t>
             </a:fld>
             <a:endParaRPr lang="en-US" dirty="0"/>
           </a:p>
@@ -2195,7 +2201,7 @@
           <a:p>
             <a:fld id="{87DE6118-2437-4B30-8E3C-4D2BE6020583}" type="datetimeFigureOut">
               <a:rPr lang="en-US" dirty="0"/>
-              <a:t>10/11/20</a:t>
+              <a:t>10/12/20</a:t>
             </a:fld>
             <a:endParaRPr lang="en-US" dirty="0"/>
           </a:p>
@@ -2285,7 +2291,7 @@
           <a:p>
             <a:fld id="{87DE6118-2437-4B30-8E3C-4D2BE6020583}" type="datetimeFigureOut">
               <a:rPr lang="en-US" dirty="0"/>
-              <a:t>10/11/20</a:t>
+              <a:t>10/12/20</a:t>
             </a:fld>
             <a:endParaRPr lang="en-US" dirty="0"/>
           </a:p>
@@ -2627,7 +2633,7 @@
             <a:fld id="{87DE6118-2437-4B30-8E3C-4D2BE6020583}" type="datetimeFigureOut">
               <a:rPr lang="en-US" dirty="0"/>
               <a:pPr/>
-              <a:t>10/11/20</a:t>
+              <a:t>10/12/20</a:t>
             </a:fld>
             <a:endParaRPr lang="en-US" dirty="0"/>
           </a:p>
@@ -3012,7 +3018,7 @@
             <a:fld id="{87DE6118-2437-4B30-8E3C-4D2BE6020583}" type="datetimeFigureOut">
               <a:rPr lang="en-US" dirty="0"/>
               <a:pPr/>
-              <a:t>10/11/20</a:t>
+              <a:t>10/12/20</a:t>
             </a:fld>
             <a:endParaRPr lang="en-US" dirty="0"/>
           </a:p>
@@ -3287,7 +3293,7 @@
             <a:fld id="{87DE6118-2437-4B30-8E3C-4D2BE6020583}" type="datetimeFigureOut">
               <a:rPr lang="en-US" dirty="0"/>
               <a:pPr/>
-              <a:t>10/11/20</a:t>
+              <a:t>10/12/20</a:t>
             </a:fld>
             <a:endParaRPr lang="en-US" dirty="0"/>
           </a:p>
@@ -3922,6 +3928,14 @@
 <file path=ppt/slides/slide2.xml><?xml version="1.0" encoding="utf-8"?>
 <p:sld xmlns:a="http://schemas.openxmlformats.org/drawingml/2006/main" xmlns:r="http://schemas.openxmlformats.org/officeDocument/2006/relationships" xmlns:p="http://schemas.openxmlformats.org/presentationml/2006/main">
   <p:cSld>
+    <p:bg>
+      <p:bgPr>
+        <a:solidFill>
+          <a:schemeClr val="bg2"/>
+        </a:solidFill>
+        <a:effectLst/>
+      </p:bgPr>
+    </p:bg>
     <p:spTree>
       <p:nvGrpSpPr>
         <p:cNvPr id="1" name=""/>
@@ -3938,6 +3952,61 @@
       </p:grpSpPr>
       <p:sp>
         <p:nvSpPr>
+          <p:cNvPr id="55" name="Rectangle 46">
+            <a:extLst>
+              <a:ext uri="{FF2B5EF4-FFF2-40B4-BE49-F238E27FC236}">
+                <a16:creationId xmlns:a16="http://schemas.microsoft.com/office/drawing/2014/main" id="{2793B903-AB42-42A0-AE97-93D366679CA2}"/>
+              </a:ext>
+              <a:ext uri="{C183D7F6-B498-43B3-948B-1728B52AA6E4}">
+                <adec:decorative xmlns:adec="http://schemas.microsoft.com/office/drawing/2017/decorative" val="1"/>
+              </a:ext>
+            </a:extLst>
+          </p:cNvPr>
+          <p:cNvSpPr>
+            <a:spLocks noGrp="1" noRot="1" noChangeAspect="1" noMove="1" noResize="1" noEditPoints="1" noAdjustHandles="1" noChangeArrowheads="1" noChangeShapeType="1" noTextEdit="1"/>
+          </p:cNvSpPr>
+          <p:nvPr>
+            <p:extLst>
+              <p:ext uri="{386F3935-93C4-4BCD-93E2-E3B085C9AB24}">
+                <p16:designElem xmlns:p16="http://schemas.microsoft.com/office/powerpoint/2015/main" val="1"/>
+              </p:ext>
+            </p:extLst>
+          </p:nvPr>
+        </p:nvSpPr>
+        <p:spPr>
+          <a:xfrm>
+            <a:off x="478095" y="376"/>
+            <a:ext cx="228600" cy="6858000"/>
+          </a:xfrm>
+          <a:prstGeom prst="rect">
+            <a:avLst/>
+          </a:prstGeom>
+          <a:solidFill>
+            <a:schemeClr val="tx2"/>
+          </a:solidFill>
+          <a:ln>
+            <a:noFill/>
+          </a:ln>
+        </p:spPr>
+        <p:style>
+          <a:lnRef idx="2">
+            <a:schemeClr val="accent1">
+              <a:shade val="50000"/>
+            </a:schemeClr>
+          </a:lnRef>
+          <a:fillRef idx="1">
+            <a:schemeClr val="accent1"/>
+          </a:fillRef>
+          <a:effectRef idx="0">
+            <a:schemeClr val="accent1"/>
+          </a:effectRef>
+          <a:fontRef idx="minor">
+            <a:schemeClr val="lt1"/>
+          </a:fontRef>
+        </p:style>
+      </p:sp>
+      <p:sp>
+        <p:nvSpPr>
           <p:cNvPr id="2" name="Title 1">
             <a:extLst>
               <a:ext uri="{FF2B5EF4-FFF2-40B4-BE49-F238E27FC236}">
@@ -3954,16 +4023,18 @@
         </p:nvSpPr>
         <p:spPr>
           <a:xfrm>
-            <a:off x="1371600" y="685800"/>
-            <a:ext cx="9601200" cy="1107374"/>
-          </a:xfrm>
-        </p:spPr>
-        <p:txBody>
-          <a:bodyPr/>
+            <a:off x="1328739" y="514350"/>
+            <a:ext cx="10188348" cy="1657350"/>
+          </a:xfrm>
+        </p:spPr>
+        <p:txBody>
+          <a:bodyPr vert="horz" lIns="91440" tIns="45720" rIns="91440" bIns="45720" rtlCol="0" anchor="t">
+            <a:normAutofit/>
+          </a:bodyPr>
           <a:lstStyle/>
           <a:p>
             <a:r>
-              <a:rPr lang="en-US" dirty="0"/>
+              <a:rPr lang="en-US" sz="3400" dirty="0"/>
               <a:t>1. Making a Booking (Front End)</a:t>
             </a:r>
           </a:p>
@@ -3971,26 +4042,135 @@
       </p:sp>
       <p:sp>
         <p:nvSpPr>
-          <p:cNvPr id="3" name="Content Placeholder 2">
+          <p:cNvPr id="56" name="Rectangle 48">
             <a:extLst>
               <a:ext uri="{FF2B5EF4-FFF2-40B4-BE49-F238E27FC236}">
-                <a16:creationId xmlns:a16="http://schemas.microsoft.com/office/drawing/2014/main" id="{B5435256-1C51-6E42-88EA-6F16917B0168}"/>
+                <a16:creationId xmlns:a16="http://schemas.microsoft.com/office/drawing/2014/main" id="{BEC9E7FA-3295-45ED-8253-D23F9E44E1DA}"/>
+              </a:ext>
+              <a:ext uri="{C183D7F6-B498-43B3-948B-1728B52AA6E4}">
+                <adec:decorative xmlns:adec="http://schemas.microsoft.com/office/drawing/2017/decorative" val="1"/>
               </a:ext>
             </a:extLst>
           </p:cNvPr>
           <p:cNvSpPr>
-            <a:spLocks noGrp="1"/>
-          </p:cNvSpPr>
-          <p:nvPr>
-            <p:ph idx="1"/>
-          </p:nvPr>
-        </p:nvSpPr>
-        <p:spPr/>
-        <p:txBody>
-          <a:bodyPr/>
+            <a:spLocks noGrp="1" noRot="1" noChangeAspect="1" noMove="1" noResize="1" noEditPoints="1" noAdjustHandles="1" noChangeArrowheads="1" noChangeShapeType="1" noTextEdit="1"/>
+          </p:cNvSpPr>
+          <p:nvPr>
+            <p:extLst>
+              <p:ext uri="{386F3935-93C4-4BCD-93E2-E3B085C9AB24}">
+                <p16:designElem xmlns:p16="http://schemas.microsoft.com/office/powerpoint/2015/main" val="1"/>
+              </p:ext>
+            </p:extLst>
+          </p:nvPr>
+        </p:nvSpPr>
+        <p:spPr>
+          <a:xfrm>
+            <a:off x="478095" y="376"/>
+            <a:ext cx="228600" cy="6858000"/>
+          </a:xfrm>
+          <a:prstGeom prst="rect">
+            <a:avLst/>
+          </a:prstGeom>
+          <a:solidFill>
+            <a:schemeClr val="tx2"/>
+          </a:solidFill>
+          <a:ln>
+            <a:noFill/>
+          </a:ln>
+        </p:spPr>
+        <p:style>
+          <a:lnRef idx="2">
+            <a:schemeClr val="accent1">
+              <a:shade val="50000"/>
+            </a:schemeClr>
+          </a:lnRef>
+          <a:fillRef idx="1">
+            <a:schemeClr val="accent1"/>
+          </a:fillRef>
+          <a:effectRef idx="0">
+            <a:schemeClr val="accent1"/>
+          </a:effectRef>
+          <a:fontRef idx="minor">
+            <a:schemeClr val="lt1"/>
+          </a:fontRef>
+        </p:style>
+      </p:sp>
+      <p:pic>
+        <p:nvPicPr>
+          <p:cNvPr id="24" name="Content Placeholder 23" descr="A screen shot of a computer&#10;&#10;Description automatically generated">
+            <a:extLst>
+              <a:ext uri="{FF2B5EF4-FFF2-40B4-BE49-F238E27FC236}">
+                <a16:creationId xmlns:a16="http://schemas.microsoft.com/office/drawing/2014/main" id="{9CD701F2-193E-614E-9276-5677771D0C53}"/>
+              </a:ext>
+            </a:extLst>
+          </p:cNvPr>
+          <p:cNvPicPr>
+            <a:picLocks noGrp="1" noChangeAspect="1"/>
+          </p:cNvPicPr>
+          <p:nvPr>
+            <p:ph sz="half" idx="1"/>
+          </p:nvPr>
+        </p:nvPicPr>
+        <p:blipFill>
+          <a:blip r:embed="rId2"/>
+          <a:stretch>
+            <a:fillRect/>
+          </a:stretch>
+        </p:blipFill>
+        <p:spPr>
+          <a:xfrm>
+            <a:off x="914400" y="1504050"/>
+            <a:ext cx="7388702" cy="4839600"/>
+          </a:xfrm>
+          <a:prstGeom prst="rect">
+            <a:avLst/>
+          </a:prstGeom>
+        </p:spPr>
+      </p:pic>
+      <p:sp>
+        <p:nvSpPr>
+          <p:cNvPr id="42" name="Content Placeholder 41">
+            <a:extLst>
+              <a:ext uri="{FF2B5EF4-FFF2-40B4-BE49-F238E27FC236}">
+                <a16:creationId xmlns:a16="http://schemas.microsoft.com/office/drawing/2014/main" id="{11868A4F-E37D-F74B-9C94-BC05506A7CF3}"/>
+              </a:ext>
+            </a:extLst>
+          </p:cNvPr>
+          <p:cNvSpPr>
+            <a:spLocks noGrp="1"/>
+          </p:cNvSpPr>
+          <p:nvPr>
+            <p:ph sz="half" idx="2"/>
+          </p:nvPr>
+        </p:nvSpPr>
+        <p:spPr>
+          <a:xfrm>
+            <a:off x="8531702" y="1343026"/>
+            <a:ext cx="2985384" cy="4514850"/>
+          </a:xfrm>
+        </p:spPr>
+        <p:txBody>
+          <a:bodyPr vert="horz" lIns="91440" tIns="45720" rIns="91440" bIns="45720" rtlCol="0">
+            <a:normAutofit/>
+          </a:bodyPr>
           <a:lstStyle/>
           <a:p>
-            <a:endParaRPr lang="en-US"/>
+            <a:r>
+              <a:rPr lang="en-US" sz="2800" dirty="0"/>
+              <a:t>Business schedule page</a:t>
+            </a:r>
+          </a:p>
+          <a:p>
+            <a:r>
+              <a:rPr lang="en-US" sz="2800" dirty="0"/>
+              <a:t>Each timeslot must take the availability of all workers into account</a:t>
+            </a:r>
+          </a:p>
+          <a:p>
+            <a:r>
+              <a:rPr lang="en-US" sz="2800" dirty="0"/>
+              <a:t>Available &amp; Unavailable timeslots</a:t>
+            </a:r>
           </a:p>
         </p:txBody>
       </p:sp>
@@ -4010,6 +4190,14 @@
 <file path=ppt/slides/slide3.xml><?xml version="1.0" encoding="utf-8"?>
 <p:sld xmlns:a="http://schemas.openxmlformats.org/drawingml/2006/main" xmlns:r="http://schemas.openxmlformats.org/officeDocument/2006/relationships" xmlns:p="http://schemas.openxmlformats.org/presentationml/2006/main">
   <p:cSld>
+    <p:bg>
+      <p:bgPr>
+        <a:solidFill>
+          <a:schemeClr val="bg2"/>
+        </a:solidFill>
+        <a:effectLst/>
+      </p:bgPr>
+    </p:bg>
     <p:spTree>
       <p:nvGrpSpPr>
         <p:cNvPr id="1" name=""/>
@@ -4026,10 +4214,10 @@
       </p:grpSpPr>
       <p:sp>
         <p:nvSpPr>
-          <p:cNvPr id="2" name="Title 1">
+          <p:cNvPr id="5" name="Title 4">
             <a:extLst>
               <a:ext uri="{FF2B5EF4-FFF2-40B4-BE49-F238E27FC236}">
-                <a16:creationId xmlns:a16="http://schemas.microsoft.com/office/drawing/2014/main" id="{58C6000B-7018-CD4C-B5E5-704D49919B54}"/>
+                <a16:creationId xmlns:a16="http://schemas.microsoft.com/office/drawing/2014/main" id="{20643260-7F3F-9D46-A478-2E6058E44EB8}"/>
               </a:ext>
             </a:extLst>
           </p:cNvPr>
@@ -4040,47 +4228,161 @@
             <p:ph type="title"/>
           </p:nvPr>
         </p:nvSpPr>
-        <p:spPr/>
-        <p:txBody>
-          <a:bodyPr/>
+        <p:spPr>
+          <a:xfrm>
+            <a:off x="1343025" y="514350"/>
+            <a:ext cx="10174062" cy="620290"/>
+          </a:xfrm>
+        </p:spPr>
+        <p:txBody>
+          <a:bodyPr>
+            <a:normAutofit/>
+          </a:bodyPr>
           <a:lstStyle/>
           <a:p>
             <a:r>
-              <a:rPr lang="en-US" dirty="0"/>
-              <a:t>2. Something interesting about what you did</a:t>
-            </a:r>
-          </a:p>
-        </p:txBody>
-      </p:sp>
-      <p:sp>
-        <p:nvSpPr>
-          <p:cNvPr id="3" name="Content Placeholder 2">
+              <a:rPr lang="en-US" sz="3400" dirty="0"/>
+              <a:t>1. Making a Booking (Front End)</a:t>
+            </a:r>
+          </a:p>
+        </p:txBody>
+      </p:sp>
+      <p:sp>
+        <p:nvSpPr>
+          <p:cNvPr id="15" name="Rectangle 14">
             <a:extLst>
               <a:ext uri="{FF2B5EF4-FFF2-40B4-BE49-F238E27FC236}">
-                <a16:creationId xmlns:a16="http://schemas.microsoft.com/office/drawing/2014/main" id="{B94FF679-FFAB-3D47-A717-D4EE6E3DAA4D}"/>
+                <a16:creationId xmlns:a16="http://schemas.microsoft.com/office/drawing/2014/main" id="{BEC9E7FA-3295-45ED-8253-D23F9E44E1DA}"/>
+              </a:ext>
+              <a:ext uri="{C183D7F6-B498-43B3-948B-1728B52AA6E4}">
+                <adec:decorative xmlns:adec="http://schemas.microsoft.com/office/drawing/2017/decorative" val="1"/>
               </a:ext>
             </a:extLst>
           </p:cNvPr>
           <p:cNvSpPr>
+            <a:spLocks noGrp="1" noRot="1" noChangeAspect="1" noMove="1" noResize="1" noEditPoints="1" noAdjustHandles="1" noChangeArrowheads="1" noChangeShapeType="1" noTextEdit="1"/>
+          </p:cNvSpPr>
+          <p:nvPr>
+            <p:extLst>
+              <p:ext uri="{386F3935-93C4-4BCD-93E2-E3B085C9AB24}">
+                <p16:designElem xmlns:p16="http://schemas.microsoft.com/office/powerpoint/2015/main" val="1"/>
+              </p:ext>
+            </p:extLst>
+          </p:nvPr>
+        </p:nvSpPr>
+        <p:spPr>
+          <a:xfrm>
+            <a:off x="478095" y="376"/>
+            <a:ext cx="228600" cy="6858000"/>
+          </a:xfrm>
+          <a:prstGeom prst="rect">
+            <a:avLst/>
+          </a:prstGeom>
+          <a:solidFill>
+            <a:schemeClr val="tx2"/>
+          </a:solidFill>
+          <a:ln>
+            <a:noFill/>
+          </a:ln>
+        </p:spPr>
+        <p:style>
+          <a:lnRef idx="2">
+            <a:schemeClr val="accent1">
+              <a:shade val="50000"/>
+            </a:schemeClr>
+          </a:lnRef>
+          <a:fillRef idx="1">
+            <a:schemeClr val="accent1"/>
+          </a:fillRef>
+          <a:effectRef idx="0">
+            <a:schemeClr val="accent1"/>
+          </a:effectRef>
+          <a:fontRef idx="minor">
+            <a:schemeClr val="lt1"/>
+          </a:fontRef>
+        </p:style>
+      </p:sp>
+      <p:pic>
+        <p:nvPicPr>
+          <p:cNvPr id="8" name="Content Placeholder 7" descr="Graphical user interface, application&#10;&#10;Description automatically generated">
+            <a:extLst>
+              <a:ext uri="{FF2B5EF4-FFF2-40B4-BE49-F238E27FC236}">
+                <a16:creationId xmlns:a16="http://schemas.microsoft.com/office/drawing/2014/main" id="{7E42EDB1-33E5-6544-9AD8-6A1CF71B5F87}"/>
+              </a:ext>
+            </a:extLst>
+          </p:cNvPr>
+          <p:cNvPicPr>
+            <a:picLocks noChangeAspect="1"/>
+          </p:cNvPicPr>
+          <p:nvPr/>
+        </p:nvPicPr>
+        <p:blipFill>
+          <a:blip r:embed="rId2"/>
+          <a:stretch>
+            <a:fillRect/>
+          </a:stretch>
+        </p:blipFill>
+        <p:spPr>
+          <a:xfrm>
+            <a:off x="802674" y="1597818"/>
+            <a:ext cx="7547290" cy="4943475"/>
+          </a:xfrm>
+          <a:prstGeom prst="rect">
+            <a:avLst/>
+          </a:prstGeom>
+        </p:spPr>
+      </p:pic>
+      <p:sp>
+        <p:nvSpPr>
+          <p:cNvPr id="12" name="Content Placeholder 11">
+            <a:extLst>
+              <a:ext uri="{FF2B5EF4-FFF2-40B4-BE49-F238E27FC236}">
+                <a16:creationId xmlns:a16="http://schemas.microsoft.com/office/drawing/2014/main" id="{F40C4753-F807-4128-8660-BF872E82622D}"/>
+              </a:ext>
+            </a:extLst>
+          </p:cNvPr>
+          <p:cNvSpPr>
             <a:spLocks noGrp="1"/>
           </p:cNvSpPr>
           <p:nvPr>
             <p:ph idx="1"/>
           </p:nvPr>
         </p:nvSpPr>
-        <p:spPr/>
-        <p:txBody>
-          <a:bodyPr/>
+        <p:spPr>
+          <a:xfrm>
+            <a:off x="8445943" y="1597818"/>
+            <a:ext cx="3267961" cy="4269582"/>
+          </a:xfrm>
+        </p:spPr>
+        <p:txBody>
+          <a:bodyPr>
+            <a:normAutofit/>
+          </a:bodyPr>
           <a:lstStyle/>
           <a:p>
-            <a:endParaRPr lang="en-US"/>
+            <a:r>
+              <a:rPr lang="en-US" sz="2800" dirty="0"/>
+              <a:t>Booking form</a:t>
+            </a:r>
+          </a:p>
+          <a:p>
+            <a:r>
+              <a:rPr lang="en-US" sz="2800" dirty="0"/>
+              <a:t>Redux to keep user information</a:t>
+            </a:r>
+          </a:p>
+          <a:p>
+            <a:r>
+              <a:rPr lang="en-US" sz="2800" dirty="0"/>
+              <a:t>Use action to   communicate with backend</a:t>
+            </a:r>
           </a:p>
         </p:txBody>
       </p:sp>
     </p:spTree>
     <p:extLst>
       <p:ext uri="{BB962C8B-B14F-4D97-AF65-F5344CB8AC3E}">
-        <p14:creationId xmlns:p14="http://schemas.microsoft.com/office/powerpoint/2010/main" val="3589093190"/>
+        <p14:creationId xmlns:p14="http://schemas.microsoft.com/office/powerpoint/2010/main" val="3801846477"/>
       </p:ext>
     </p:extLst>
   </p:cSld>
@@ -4112,7 +4414,7 @@
           <p:cNvPr id="2" name="Title 1">
             <a:extLst>
               <a:ext uri="{FF2B5EF4-FFF2-40B4-BE49-F238E27FC236}">
-                <a16:creationId xmlns:a16="http://schemas.microsoft.com/office/drawing/2014/main" id="{F470791B-2F66-DB45-82FC-5EA6BCB20AA6}"/>
+                <a16:creationId xmlns:a16="http://schemas.microsoft.com/office/drawing/2014/main" id="{58C6000B-7018-CD4C-B5E5-704D49919B54}"/>
               </a:ext>
             </a:extLst>
           </p:cNvPr>
@@ -4130,7 +4432,7 @@
           <a:p>
             <a:r>
               <a:rPr lang="en-US" dirty="0"/>
-              <a:t>3. Something interesting about what you did</a:t>
+              <a:t>2. Something interesting about what you did</a:t>
             </a:r>
           </a:p>
         </p:txBody>
@@ -4140,7 +4442,7 @@
           <p:cNvPr id="3" name="Content Placeholder 2">
             <a:extLst>
               <a:ext uri="{FF2B5EF4-FFF2-40B4-BE49-F238E27FC236}">
-                <a16:creationId xmlns:a16="http://schemas.microsoft.com/office/drawing/2014/main" id="{6E811CD2-5C30-F74B-BD09-B78631963FF6}"/>
+                <a16:creationId xmlns:a16="http://schemas.microsoft.com/office/drawing/2014/main" id="{B94FF679-FFAB-3D47-A717-D4EE6E3DAA4D}"/>
               </a:ext>
             </a:extLst>
           </p:cNvPr>
@@ -4163,7 +4465,7 @@
     </p:spTree>
     <p:extLst>
       <p:ext uri="{BB962C8B-B14F-4D97-AF65-F5344CB8AC3E}">
-        <p14:creationId xmlns:p14="http://schemas.microsoft.com/office/powerpoint/2010/main" val="2538371227"/>
+        <p14:creationId xmlns:p14="http://schemas.microsoft.com/office/powerpoint/2010/main" val="3589093190"/>
       </p:ext>
     </p:extLst>
   </p:cSld>
@@ -4195,6 +4497,89 @@
           <p:cNvPr id="2" name="Title 1">
             <a:extLst>
               <a:ext uri="{FF2B5EF4-FFF2-40B4-BE49-F238E27FC236}">
+                <a16:creationId xmlns:a16="http://schemas.microsoft.com/office/drawing/2014/main" id="{F470791B-2F66-DB45-82FC-5EA6BCB20AA6}"/>
+              </a:ext>
+            </a:extLst>
+          </p:cNvPr>
+          <p:cNvSpPr>
+            <a:spLocks noGrp="1"/>
+          </p:cNvSpPr>
+          <p:nvPr>
+            <p:ph type="title"/>
+          </p:nvPr>
+        </p:nvSpPr>
+        <p:spPr/>
+        <p:txBody>
+          <a:bodyPr/>
+          <a:lstStyle/>
+          <a:p>
+            <a:r>
+              <a:rPr lang="en-US" dirty="0"/>
+              <a:t>3. Something interesting about what you did</a:t>
+            </a:r>
+          </a:p>
+        </p:txBody>
+      </p:sp>
+      <p:sp>
+        <p:nvSpPr>
+          <p:cNvPr id="3" name="Content Placeholder 2">
+            <a:extLst>
+              <a:ext uri="{FF2B5EF4-FFF2-40B4-BE49-F238E27FC236}">
+                <a16:creationId xmlns:a16="http://schemas.microsoft.com/office/drawing/2014/main" id="{6E811CD2-5C30-F74B-BD09-B78631963FF6}"/>
+              </a:ext>
+            </a:extLst>
+          </p:cNvPr>
+          <p:cNvSpPr>
+            <a:spLocks noGrp="1"/>
+          </p:cNvSpPr>
+          <p:nvPr>
+            <p:ph idx="1"/>
+          </p:nvPr>
+        </p:nvSpPr>
+        <p:spPr/>
+        <p:txBody>
+          <a:bodyPr/>
+          <a:lstStyle/>
+          <a:p>
+            <a:endParaRPr lang="en-US"/>
+          </a:p>
+        </p:txBody>
+      </p:sp>
+    </p:spTree>
+    <p:extLst>
+      <p:ext uri="{BB962C8B-B14F-4D97-AF65-F5344CB8AC3E}">
+        <p14:creationId xmlns:p14="http://schemas.microsoft.com/office/powerpoint/2010/main" val="2538371227"/>
+      </p:ext>
+    </p:extLst>
+  </p:cSld>
+  <p:clrMapOvr>
+    <a:masterClrMapping/>
+  </p:clrMapOvr>
+</p:sld>
+</file>
+
+<file path=ppt/slides/slide6.xml><?xml version="1.0" encoding="utf-8"?>
+<p:sld xmlns:a="http://schemas.openxmlformats.org/drawingml/2006/main" xmlns:r="http://schemas.openxmlformats.org/officeDocument/2006/relationships" xmlns:p="http://schemas.openxmlformats.org/presentationml/2006/main">
+  <p:cSld>
+    <p:spTree>
+      <p:nvGrpSpPr>
+        <p:cNvPr id="1" name=""/>
+        <p:cNvGrpSpPr/>
+        <p:nvPr/>
+      </p:nvGrpSpPr>
+      <p:grpSpPr>
+        <a:xfrm>
+          <a:off x="0" y="0"/>
+          <a:ext cx="0" cy="0"/>
+          <a:chOff x="0" y="0"/>
+          <a:chExt cx="0" cy="0"/>
+        </a:xfrm>
+      </p:grpSpPr>
+      <p:sp>
+        <p:nvSpPr>
+          <p:cNvPr id="2" name="Title 1">
+            <a:extLst>
+              <a:ext uri="{FF2B5EF4-FFF2-40B4-BE49-F238E27FC236}">
                 <a16:creationId xmlns:a16="http://schemas.microsoft.com/office/drawing/2014/main" id="{2FD1864B-C046-C046-906B-2FF46F642B8D}"/>
               </a:ext>
             </a:extLst>
@@ -4206,7 +4591,12 @@
             <p:ph type="title"/>
           </p:nvPr>
         </p:nvSpPr>
-        <p:spPr/>
+        <p:spPr>
+          <a:xfrm>
+            <a:off x="1371600" y="685800"/>
+            <a:ext cx="9601200" cy="828675"/>
+          </a:xfrm>
+        </p:spPr>
         <p:txBody>
           <a:bodyPr/>
           <a:lstStyle/>
@@ -4234,20 +4624,54 @@
             <p:ph sz="half" idx="1"/>
           </p:nvPr>
         </p:nvSpPr>
-        <p:spPr/>
+        <p:spPr>
+          <a:xfrm>
+            <a:off x="1371600" y="1885949"/>
+            <a:ext cx="4724400" cy="4286251"/>
+          </a:xfrm>
+        </p:spPr>
         <p:txBody>
           <a:bodyPr/>
           <a:lstStyle/>
           <a:p>
             <a:r>
+              <a:rPr lang="en-US" sz="2400" dirty="0"/>
+              <a:t>What worked well?</a:t>
+            </a:r>
+          </a:p>
+          <a:p>
+            <a:pPr>
+              <a:buFont typeface="Courier New" panose="02070309020205020404" pitchFamily="49" charset="0"/>
+              <a:buChar char="o"/>
+            </a:pPr>
+            <a:r>
               <a:rPr lang="en-US" dirty="0"/>
-              <a:t>What worked well?</a:t>
-            </a:r>
-          </a:p>
-          <a:p>
+              <a:t>Implementation of core functionalities</a:t>
+            </a:r>
+          </a:p>
+          <a:p>
+            <a:endParaRPr lang="en-US" dirty="0"/>
+          </a:p>
+          <a:p>
+            <a:endParaRPr lang="en-US" dirty="0"/>
+          </a:p>
+          <a:p>
+            <a:endParaRPr lang="en-US" dirty="0"/>
+          </a:p>
+          <a:p>
+            <a:r>
+              <a:rPr lang="en-US" sz="2400" dirty="0"/>
+              <a:t>What could be improved?</a:t>
+            </a:r>
+          </a:p>
+          <a:p>
+            <a:pPr>
+              <a:buFont typeface="Courier New" panose="02070309020205020404" pitchFamily="49" charset="0"/>
+              <a:buChar char="o"/>
+            </a:pPr>
             <a:r>
               <a:rPr lang="en-US" dirty="0"/>
-              <a:t>What could be improved?</a:t>
+              <a:t>More involvement in CI/CD</a:t>
             </a:r>
           </a:p>
         </p:txBody>
@@ -4268,20 +4692,57 @@
             <p:ph sz="half" idx="2"/>
           </p:nvPr>
         </p:nvSpPr>
-        <p:spPr/>
+        <p:spPr>
+          <a:xfrm>
+            <a:off x="6525402" y="1885949"/>
+            <a:ext cx="4918885" cy="4286251"/>
+          </a:xfrm>
+        </p:spPr>
         <p:txBody>
           <a:bodyPr/>
           <a:lstStyle/>
           <a:p>
             <a:r>
+              <a:rPr lang="en-US" sz="2400" dirty="0"/>
+              <a:t>What “surprised” you?</a:t>
+            </a:r>
+          </a:p>
+          <a:p>
+            <a:pPr>
+              <a:buFont typeface="Courier New" panose="02070309020205020404" pitchFamily="49" charset="0"/>
+              <a:buChar char="o"/>
+            </a:pPr>
+            <a:r>
               <a:rPr lang="en-US" dirty="0"/>
-              <a:t>What “surprised” you?</a:t>
-            </a:r>
-          </a:p>
-          <a:p>
+              <a:t>Missing group members</a:t>
+            </a:r>
+          </a:p>
+          <a:p>
+            <a:endParaRPr lang="en-US" dirty="0"/>
+          </a:p>
+          <a:p>
+            <a:endParaRPr lang="en-US" dirty="0"/>
+          </a:p>
+          <a:p>
+            <a:pPr marL="0" indent="0">
+              <a:buNone/>
+            </a:pPr>
+            <a:endParaRPr lang="en-US" dirty="0"/>
+          </a:p>
+          <a:p>
+            <a:r>
+              <a:rPr lang="en-US" sz="2400" dirty="0"/>
+              <a:t>What did you learn?</a:t>
+            </a:r>
+          </a:p>
+          <a:p>
+            <a:pPr>
+              <a:buFont typeface="Courier New" panose="02070309020205020404" pitchFamily="49" charset="0"/>
+              <a:buChar char="o"/>
+            </a:pPr>
             <a:r>
               <a:rPr lang="en-US" dirty="0"/>
-              <a:t>What did you learn?</a:t>
+              <a:t>New platforms and tools</a:t>
             </a:r>
           </a:p>
           <a:p>

--- a/docs/Presentation/milestone3_presentation.pptx
+++ b/docs/Presentation/milestone3_presentation.pptx
@@ -10,7 +10,9 @@
     <p:sldId id="261" r:id="rId4"/>
     <p:sldId id="258" r:id="rId5"/>
     <p:sldId id="259" r:id="rId6"/>
-    <p:sldId id="260" r:id="rId7"/>
+    <p:sldId id="262" r:id="rId7"/>
+    <p:sldId id="263" r:id="rId8"/>
+    <p:sldId id="260" r:id="rId9"/>
   </p:sldIdLst>
   <p:sldSz cx="12192000" cy="6858000"/>
   <p:notesSz cx="6858000" cy="9144000"/>
@@ -287,7 +289,7 @@
             <a:fld id="{87DE6118-2437-4B30-8E3C-4D2BE6020583}" type="datetimeFigureOut">
               <a:rPr lang="en-US" dirty="0"/>
               <a:pPr/>
-              <a:t>10/12/20</a:t>
+              <a:t>10/14/2020</a:t>
             </a:fld>
             <a:endParaRPr lang="en-US" dirty="0"/>
           </a:p>
@@ -613,7 +615,7 @@
           <a:p>
             <a:fld id="{87DE6118-2437-4B30-8E3C-4D2BE6020583}" type="datetimeFigureOut">
               <a:rPr lang="en-US" dirty="0"/>
-              <a:t>10/12/20</a:t>
+              <a:t>10/14/2020</a:t>
             </a:fld>
             <a:endParaRPr lang="en-US" dirty="0"/>
           </a:p>
@@ -788,7 +790,7 @@
           <a:p>
             <a:fld id="{87DE6118-2437-4B30-8E3C-4D2BE6020583}" type="datetimeFigureOut">
               <a:rPr lang="en-US" dirty="0"/>
-              <a:t>10/12/20</a:t>
+              <a:t>10/14/2020</a:t>
             </a:fld>
             <a:endParaRPr lang="en-US" dirty="0"/>
           </a:p>
@@ -953,7 +955,7 @@
           <a:p>
             <a:fld id="{87DE6118-2437-4B30-8E3C-4D2BE6020583}" type="datetimeFigureOut">
               <a:rPr lang="en-US" dirty="0"/>
-              <a:t>10/12/20</a:t>
+              <a:t>10/14/2020</a:t>
             </a:fld>
             <a:endParaRPr lang="en-US" dirty="0"/>
           </a:p>
@@ -1226,7 +1228,7 @@
             <a:fld id="{87DE6118-2437-4B30-8E3C-4D2BE6020583}" type="datetimeFigureOut">
               <a:rPr lang="en-US" dirty="0"/>
               <a:pPr/>
-              <a:t>10/12/20</a:t>
+              <a:t>10/14/2020</a:t>
             </a:fld>
             <a:endParaRPr lang="en-US" dirty="0"/>
           </a:p>
@@ -1616,7 +1618,7 @@
           <a:p>
             <a:fld id="{87DE6118-2437-4B30-8E3C-4D2BE6020583}" type="datetimeFigureOut">
               <a:rPr lang="en-US" dirty="0"/>
-              <a:t>10/12/20</a:t>
+              <a:t>10/14/2020</a:t>
             </a:fld>
             <a:endParaRPr lang="en-US" dirty="0"/>
           </a:p>
@@ -2088,7 +2090,7 @@
           <a:p>
             <a:fld id="{87DE6118-2437-4B30-8E3C-4D2BE6020583}" type="datetimeFigureOut">
               <a:rPr lang="en-US" dirty="0"/>
-              <a:t>10/12/20</a:t>
+              <a:t>10/14/2020</a:t>
             </a:fld>
             <a:endParaRPr lang="en-US" dirty="0"/>
           </a:p>
@@ -2201,7 +2203,7 @@
           <a:p>
             <a:fld id="{87DE6118-2437-4B30-8E3C-4D2BE6020583}" type="datetimeFigureOut">
               <a:rPr lang="en-US" dirty="0"/>
-              <a:t>10/12/20</a:t>
+              <a:t>10/14/2020</a:t>
             </a:fld>
             <a:endParaRPr lang="en-US" dirty="0"/>
           </a:p>
@@ -2291,7 +2293,7 @@
           <a:p>
             <a:fld id="{87DE6118-2437-4B30-8E3C-4D2BE6020583}" type="datetimeFigureOut">
               <a:rPr lang="en-US" dirty="0"/>
-              <a:t>10/12/20</a:t>
+              <a:t>10/14/2020</a:t>
             </a:fld>
             <a:endParaRPr lang="en-US" dirty="0"/>
           </a:p>
@@ -2633,7 +2635,7 @@
             <a:fld id="{87DE6118-2437-4B30-8E3C-4D2BE6020583}" type="datetimeFigureOut">
               <a:rPr lang="en-US" dirty="0"/>
               <a:pPr/>
-              <a:t>10/12/20</a:t>
+              <a:t>10/14/2020</a:t>
             </a:fld>
             <a:endParaRPr lang="en-US" dirty="0"/>
           </a:p>
@@ -3018,7 +3020,7 @@
             <a:fld id="{87DE6118-2437-4B30-8E3C-4D2BE6020583}" type="datetimeFigureOut">
               <a:rPr lang="en-US" dirty="0"/>
               <a:pPr/>
-              <a:t>10/12/20</a:t>
+              <a:t>10/14/2020</a:t>
             </a:fld>
             <a:endParaRPr lang="en-US" dirty="0"/>
           </a:p>
@@ -3293,7 +3295,7 @@
             <a:fld id="{87DE6118-2437-4B30-8E3C-4D2BE6020583}" type="datetimeFigureOut">
               <a:rPr lang="en-US" dirty="0"/>
               <a:pPr/>
-              <a:t>10/12/20</a:t>
+              <a:t>10/14/2020</a:t>
             </a:fld>
             <a:endParaRPr lang="en-US" dirty="0"/>
           </a:p>
@@ -4411,41 +4413,147 @@
       </p:grpSpPr>
       <p:sp>
         <p:nvSpPr>
-          <p:cNvPr id="2" name="Title 1">
+          <p:cNvPr id="6" name="Title 4">
             <a:extLst>
               <a:ext uri="{FF2B5EF4-FFF2-40B4-BE49-F238E27FC236}">
-                <a16:creationId xmlns:a16="http://schemas.microsoft.com/office/drawing/2014/main" id="{58C6000B-7018-CD4C-B5E5-704D49919B54}"/>
+                <a16:creationId xmlns:a16="http://schemas.microsoft.com/office/drawing/2014/main" id="{3D6AB751-3DC9-42EA-B372-E7BDF2C738D1}"/>
               </a:ext>
             </a:extLst>
           </p:cNvPr>
-          <p:cNvSpPr>
-            <a:spLocks noGrp="1"/>
-          </p:cNvSpPr>
-          <p:nvPr>
-            <p:ph type="title"/>
-          </p:nvPr>
-        </p:nvSpPr>
-        <p:spPr/>
-        <p:txBody>
-          <a:bodyPr/>
-          <a:lstStyle/>
-          <a:p>
-            <a:r>
-              <a:rPr lang="en-US" dirty="0"/>
-              <a:t>2. Something interesting about what you did</a:t>
-            </a:r>
-          </a:p>
-        </p:txBody>
-      </p:sp>
-      <p:sp>
-        <p:nvSpPr>
-          <p:cNvPr id="3" name="Content Placeholder 2">
+          <p:cNvSpPr txBox="1">
+            <a:spLocks/>
+          </p:cNvSpPr>
+          <p:nvPr/>
+        </p:nvSpPr>
+        <p:spPr>
+          <a:xfrm>
+            <a:off x="1343025" y="514350"/>
+            <a:ext cx="10174062" cy="620290"/>
+          </a:xfrm>
+          <a:prstGeom prst="rect">
+            <a:avLst/>
+          </a:prstGeom>
+        </p:spPr>
+        <p:txBody>
+          <a:bodyPr vert="horz" lIns="91440" tIns="45720" rIns="91440" bIns="45720" rtlCol="0" anchor="t">
+            <a:normAutofit/>
+          </a:bodyPr>
+          <a:lstStyle>
+            <a:lvl1pPr algn="l" defTabSz="914400" rtl="0" eaLnBrk="1" latinLnBrk="0" hangingPunct="1">
+              <a:lnSpc>
+                <a:spcPct val="89000"/>
+              </a:lnSpc>
+              <a:spcBef>
+                <a:spcPct val="0"/>
+              </a:spcBef>
+              <a:buNone/>
+              <a:defRPr sz="4400" kern="1200" baseline="0">
+                <a:solidFill>
+                  <a:schemeClr val="tx2"/>
+                </a:solidFill>
+                <a:latin typeface="+mj-lt"/>
+                <a:ea typeface="+mj-ea"/>
+                <a:cs typeface="+mj-cs"/>
+              </a:defRPr>
+            </a:lvl1pPr>
+          </a:lstStyle>
+          <a:p>
+            <a:r>
+              <a:rPr lang="en-US" sz="3400" dirty="0"/>
+              <a:t>2. Making API for edit schedule (Back End)</a:t>
+            </a:r>
+          </a:p>
+        </p:txBody>
+      </p:sp>
+      <p:pic>
+        <p:nvPicPr>
+          <p:cNvPr id="8" name="Picture 7">
             <a:extLst>
               <a:ext uri="{FF2B5EF4-FFF2-40B4-BE49-F238E27FC236}">
-                <a16:creationId xmlns:a16="http://schemas.microsoft.com/office/drawing/2014/main" id="{B94FF679-FFAB-3D47-A717-D4EE6E3DAA4D}"/>
+                <a16:creationId xmlns:a16="http://schemas.microsoft.com/office/drawing/2014/main" id="{D04F2891-3170-4EDB-B1B9-780BE67788DD}"/>
               </a:ext>
             </a:extLst>
           </p:cNvPr>
+          <p:cNvPicPr>
+            <a:picLocks noChangeAspect="1"/>
+          </p:cNvPicPr>
+          <p:nvPr/>
+        </p:nvPicPr>
+        <p:blipFill>
+          <a:blip r:embed="rId2"/>
+          <a:stretch>
+            <a:fillRect/>
+          </a:stretch>
+        </p:blipFill>
+        <p:spPr>
+          <a:xfrm>
+            <a:off x="1468904" y="3037477"/>
+            <a:ext cx="7964946" cy="3081676"/>
+          </a:xfrm>
+          <a:prstGeom prst="rect">
+            <a:avLst/>
+          </a:prstGeom>
+          <a:ln>
+            <a:noFill/>
+          </a:ln>
+          <a:effectLst>
+            <a:outerShdw blurRad="292100" dist="139700" dir="2700000" algn="tl" rotWithShape="0">
+              <a:srgbClr val="333333">
+                <a:alpha val="65000"/>
+              </a:srgbClr>
+            </a:outerShdw>
+          </a:effectLst>
+        </p:spPr>
+      </p:pic>
+      <p:pic>
+        <p:nvPicPr>
+          <p:cNvPr id="10" name="Picture 9">
+            <a:extLst>
+              <a:ext uri="{FF2B5EF4-FFF2-40B4-BE49-F238E27FC236}">
+                <a16:creationId xmlns:a16="http://schemas.microsoft.com/office/drawing/2014/main" id="{55BCE8B2-2289-4B93-ADDB-CC2462A21DDB}"/>
+              </a:ext>
+            </a:extLst>
+          </p:cNvPr>
+          <p:cNvPicPr>
+            <a:picLocks noChangeAspect="1"/>
+          </p:cNvPicPr>
+          <p:nvPr/>
+        </p:nvPicPr>
+        <p:blipFill>
+          <a:blip r:embed="rId3"/>
+          <a:stretch>
+            <a:fillRect/>
+          </a:stretch>
+        </p:blipFill>
+        <p:spPr>
+          <a:xfrm>
+            <a:off x="1468904" y="1530314"/>
+            <a:ext cx="3630246" cy="1355126"/>
+          </a:xfrm>
+          <a:prstGeom prst="rect">
+            <a:avLst/>
+          </a:prstGeom>
+          <a:ln>
+            <a:noFill/>
+          </a:ln>
+          <a:effectLst>
+            <a:outerShdw blurRad="292100" dist="139700" dir="2700000" algn="tl" rotWithShape="0">
+              <a:srgbClr val="333333">
+                <a:alpha val="65000"/>
+              </a:srgbClr>
+            </a:outerShdw>
+          </a:effectLst>
+        </p:spPr>
+      </p:pic>
+      <p:sp>
+        <p:nvSpPr>
+          <p:cNvPr id="11" name="Content Placeholder 11">
+            <a:extLst>
+              <a:ext uri="{FF2B5EF4-FFF2-40B4-BE49-F238E27FC236}">
+                <a16:creationId xmlns:a16="http://schemas.microsoft.com/office/drawing/2014/main" id="{72B1D1B5-54F9-48B7-81FD-436F358477E3}"/>
+              </a:ext>
+            </a:extLst>
+          </p:cNvPr>
           <p:cNvSpPr>
             <a:spLocks noGrp="1"/>
           </p:cNvSpPr>
@@ -4453,12 +4561,42 @@
             <p:ph idx="1"/>
           </p:nvPr>
         </p:nvSpPr>
-        <p:spPr/>
-        <p:txBody>
-          <a:bodyPr/>
+        <p:spPr>
+          <a:xfrm>
+            <a:off x="5768575" y="1428930"/>
+            <a:ext cx="5387105" cy="1314256"/>
+          </a:xfrm>
+        </p:spPr>
+        <p:txBody>
+          <a:bodyPr>
+            <a:normAutofit fontScale="77500" lnSpcReduction="20000"/>
+          </a:bodyPr>
           <a:lstStyle/>
           <a:p>
-            <a:endParaRPr lang="en-US"/>
+            <a:r>
+              <a:rPr lang="en-US" sz="2800" dirty="0" err="1"/>
+              <a:t>BookingForm</a:t>
+            </a:r>
+            <a:r>
+              <a:rPr lang="en-US" sz="2800" dirty="0"/>
+              <a:t> class for @RequestBody to receive Json from </a:t>
+            </a:r>
+            <a:r>
+              <a:rPr lang="en-US" sz="2800" dirty="0" err="1"/>
+              <a:t>FrontEnd</a:t>
+            </a:r>
+            <a:endParaRPr lang="en-US" sz="2800" dirty="0"/>
+          </a:p>
+          <a:p>
+            <a:r>
+              <a:rPr lang="en-US" sz="2800" dirty="0"/>
+              <a:t>Call the </a:t>
+            </a:r>
+            <a:r>
+              <a:rPr lang="en-US" sz="2800" dirty="0" err="1"/>
+              <a:t>editScheduleService</a:t>
+            </a:r>
+            <a:endParaRPr lang="en-US" sz="2800" dirty="0"/>
           </a:p>
         </p:txBody>
       </p:sp>
@@ -4494,41 +4632,187 @@
       </p:grpSpPr>
       <p:sp>
         <p:nvSpPr>
-          <p:cNvPr id="2" name="Title 1">
+          <p:cNvPr id="7" name="Title 4">
             <a:extLst>
               <a:ext uri="{FF2B5EF4-FFF2-40B4-BE49-F238E27FC236}">
-                <a16:creationId xmlns:a16="http://schemas.microsoft.com/office/drawing/2014/main" id="{F470791B-2F66-DB45-82FC-5EA6BCB20AA6}"/>
+                <a16:creationId xmlns:a16="http://schemas.microsoft.com/office/drawing/2014/main" id="{98F073B2-1E42-4240-9795-32479358CE8A}"/>
               </a:ext>
             </a:extLst>
           </p:cNvPr>
-          <p:cNvSpPr>
-            <a:spLocks noGrp="1"/>
-          </p:cNvSpPr>
-          <p:nvPr>
-            <p:ph type="title"/>
-          </p:nvPr>
-        </p:nvSpPr>
-        <p:spPr/>
-        <p:txBody>
-          <a:bodyPr/>
-          <a:lstStyle/>
-          <a:p>
-            <a:r>
-              <a:rPr lang="en-US" dirty="0"/>
-              <a:t>3. Something interesting about what you did</a:t>
-            </a:r>
-          </a:p>
-        </p:txBody>
-      </p:sp>
-      <p:sp>
-        <p:nvSpPr>
-          <p:cNvPr id="3" name="Content Placeholder 2">
+          <p:cNvSpPr txBox="1">
+            <a:spLocks/>
+          </p:cNvSpPr>
+          <p:nvPr/>
+        </p:nvSpPr>
+        <p:spPr>
+          <a:xfrm>
+            <a:off x="1343025" y="514350"/>
+            <a:ext cx="10174062" cy="620290"/>
+          </a:xfrm>
+          <a:prstGeom prst="rect">
+            <a:avLst/>
+          </a:prstGeom>
+        </p:spPr>
+        <p:txBody>
+          <a:bodyPr vert="horz" lIns="91440" tIns="45720" rIns="91440" bIns="45720" rtlCol="0" anchor="t">
+            <a:normAutofit/>
+          </a:bodyPr>
+          <a:lstStyle>
+            <a:lvl1pPr algn="l" defTabSz="914400" rtl="0" eaLnBrk="1" latinLnBrk="0" hangingPunct="1">
+              <a:lnSpc>
+                <a:spcPct val="89000"/>
+              </a:lnSpc>
+              <a:spcBef>
+                <a:spcPct val="0"/>
+              </a:spcBef>
+              <a:buNone/>
+              <a:defRPr sz="4400" kern="1200" baseline="0">
+                <a:solidFill>
+                  <a:schemeClr val="tx2"/>
+                </a:solidFill>
+                <a:latin typeface="+mj-lt"/>
+                <a:ea typeface="+mj-ea"/>
+                <a:cs typeface="+mj-cs"/>
+              </a:defRPr>
+            </a:lvl1pPr>
+          </a:lstStyle>
+          <a:p>
+            <a:r>
+              <a:rPr lang="en-US" sz="3400" dirty="0"/>
+              <a:t>2. Making API for edit schedule (Back End)</a:t>
+            </a:r>
+          </a:p>
+        </p:txBody>
+      </p:sp>
+      <p:pic>
+        <p:nvPicPr>
+          <p:cNvPr id="9" name="Picture 8">
             <a:extLst>
               <a:ext uri="{FF2B5EF4-FFF2-40B4-BE49-F238E27FC236}">
-                <a16:creationId xmlns:a16="http://schemas.microsoft.com/office/drawing/2014/main" id="{6E811CD2-5C30-F74B-BD09-B78631963FF6}"/>
+                <a16:creationId xmlns:a16="http://schemas.microsoft.com/office/drawing/2014/main" id="{90D56812-4A83-4633-BD17-87E1E8A271A2}"/>
               </a:ext>
             </a:extLst>
           </p:cNvPr>
+          <p:cNvPicPr>
+            <a:picLocks noChangeAspect="1"/>
+          </p:cNvPicPr>
+          <p:nvPr/>
+        </p:nvPicPr>
+        <p:blipFill>
+          <a:blip r:embed="rId2"/>
+          <a:stretch>
+            <a:fillRect/>
+          </a:stretch>
+        </p:blipFill>
+        <p:spPr>
+          <a:xfrm>
+            <a:off x="1343025" y="1486301"/>
+            <a:ext cx="10482973" cy="450317"/>
+          </a:xfrm>
+          <a:prstGeom prst="rect">
+            <a:avLst/>
+          </a:prstGeom>
+          <a:ln>
+            <a:noFill/>
+          </a:ln>
+          <a:effectLst>
+            <a:outerShdw blurRad="292100" dist="139700" dir="2700000" algn="tl" rotWithShape="0">
+              <a:srgbClr val="333333">
+                <a:alpha val="65000"/>
+              </a:srgbClr>
+            </a:outerShdw>
+          </a:effectLst>
+        </p:spPr>
+      </p:pic>
+      <p:pic>
+        <p:nvPicPr>
+          <p:cNvPr id="11" name="Picture 10">
+            <a:extLst>
+              <a:ext uri="{FF2B5EF4-FFF2-40B4-BE49-F238E27FC236}">
+                <a16:creationId xmlns:a16="http://schemas.microsoft.com/office/drawing/2014/main" id="{9C7D51C4-AFEF-406D-859B-2E7CFF9947FB}"/>
+              </a:ext>
+            </a:extLst>
+          </p:cNvPr>
+          <p:cNvPicPr>
+            <a:picLocks noChangeAspect="1"/>
+          </p:cNvPicPr>
+          <p:nvPr/>
+        </p:nvPicPr>
+        <p:blipFill>
+          <a:blip r:embed="rId3"/>
+          <a:stretch>
+            <a:fillRect/>
+          </a:stretch>
+        </p:blipFill>
+        <p:spPr>
+          <a:xfrm>
+            <a:off x="1343025" y="2288279"/>
+            <a:ext cx="10523416" cy="1392470"/>
+          </a:xfrm>
+          <a:prstGeom prst="rect">
+            <a:avLst/>
+          </a:prstGeom>
+          <a:ln>
+            <a:noFill/>
+          </a:ln>
+          <a:effectLst>
+            <a:outerShdw blurRad="292100" dist="139700" dir="2700000" algn="tl" rotWithShape="0">
+              <a:srgbClr val="333333">
+                <a:alpha val="65000"/>
+              </a:srgbClr>
+            </a:outerShdw>
+          </a:effectLst>
+        </p:spPr>
+      </p:pic>
+      <p:pic>
+        <p:nvPicPr>
+          <p:cNvPr id="13" name="Picture 12">
+            <a:extLst>
+              <a:ext uri="{FF2B5EF4-FFF2-40B4-BE49-F238E27FC236}">
+                <a16:creationId xmlns:a16="http://schemas.microsoft.com/office/drawing/2014/main" id="{A4274B32-A1A6-489D-B44D-03BA893954E2}"/>
+              </a:ext>
+            </a:extLst>
+          </p:cNvPr>
+          <p:cNvPicPr>
+            <a:picLocks noChangeAspect="1"/>
+          </p:cNvPicPr>
+          <p:nvPr/>
+        </p:nvPicPr>
+        <p:blipFill>
+          <a:blip r:embed="rId4"/>
+          <a:stretch>
+            <a:fillRect/>
+          </a:stretch>
+        </p:blipFill>
+        <p:spPr>
+          <a:xfrm>
+            <a:off x="1343025" y="3928307"/>
+            <a:ext cx="3765329" cy="2576734"/>
+          </a:xfrm>
+          <a:prstGeom prst="rect">
+            <a:avLst/>
+          </a:prstGeom>
+          <a:ln>
+            <a:noFill/>
+          </a:ln>
+          <a:effectLst>
+            <a:outerShdw blurRad="292100" dist="139700" dir="2700000" algn="tl" rotWithShape="0">
+              <a:srgbClr val="333333">
+                <a:alpha val="65000"/>
+              </a:srgbClr>
+            </a:outerShdw>
+          </a:effectLst>
+        </p:spPr>
+      </p:pic>
+      <p:sp>
+        <p:nvSpPr>
+          <p:cNvPr id="14" name="Content Placeholder 11">
+            <a:extLst>
+              <a:ext uri="{FF2B5EF4-FFF2-40B4-BE49-F238E27FC236}">
+                <a16:creationId xmlns:a16="http://schemas.microsoft.com/office/drawing/2014/main" id="{4720EC3D-AE8B-419C-B7A7-CF46277491A9}"/>
+              </a:ext>
+            </a:extLst>
+          </p:cNvPr>
           <p:cNvSpPr>
             <a:spLocks noGrp="1"/>
           </p:cNvSpPr>
@@ -4536,12 +4820,22 @@
             <p:ph idx="1"/>
           </p:nvPr>
         </p:nvSpPr>
-        <p:spPr/>
-        <p:txBody>
-          <a:bodyPr/>
+        <p:spPr>
+          <a:xfrm>
+            <a:off x="5768575" y="4449923"/>
+            <a:ext cx="5387105" cy="1314256"/>
+          </a:xfrm>
+        </p:spPr>
+        <p:txBody>
+          <a:bodyPr>
+            <a:normAutofit/>
+          </a:bodyPr>
           <a:lstStyle/>
           <a:p>
-            <a:endParaRPr lang="en-US"/>
+            <a:r>
+              <a:rPr lang="en-US" sz="2800" dirty="0"/>
+              <a:t>Learnt things on @Query</a:t>
+            </a:r>
           </a:p>
         </p:txBody>
       </p:sp>
@@ -4577,6 +4871,374 @@
       </p:grpSpPr>
       <p:sp>
         <p:nvSpPr>
+          <p:cNvPr id="6" name="Title 4">
+            <a:extLst>
+              <a:ext uri="{FF2B5EF4-FFF2-40B4-BE49-F238E27FC236}">
+                <a16:creationId xmlns:a16="http://schemas.microsoft.com/office/drawing/2014/main" id="{3D6AB751-3DC9-42EA-B372-E7BDF2C738D1}"/>
+              </a:ext>
+            </a:extLst>
+          </p:cNvPr>
+          <p:cNvSpPr txBox="1">
+            <a:spLocks/>
+          </p:cNvSpPr>
+          <p:nvPr/>
+        </p:nvSpPr>
+        <p:spPr>
+          <a:xfrm>
+            <a:off x="1343025" y="514350"/>
+            <a:ext cx="10174062" cy="620290"/>
+          </a:xfrm>
+          <a:prstGeom prst="rect">
+            <a:avLst/>
+          </a:prstGeom>
+        </p:spPr>
+        <p:txBody>
+          <a:bodyPr vert="horz" lIns="91440" tIns="45720" rIns="91440" bIns="45720" rtlCol="0" anchor="t">
+            <a:normAutofit/>
+          </a:bodyPr>
+          <a:lstStyle>
+            <a:lvl1pPr algn="l" defTabSz="914400" rtl="0" eaLnBrk="1" latinLnBrk="0" hangingPunct="1">
+              <a:lnSpc>
+                <a:spcPct val="89000"/>
+              </a:lnSpc>
+              <a:spcBef>
+                <a:spcPct val="0"/>
+              </a:spcBef>
+              <a:buNone/>
+              <a:defRPr sz="4400" kern="1200" baseline="0">
+                <a:solidFill>
+                  <a:schemeClr val="tx2"/>
+                </a:solidFill>
+                <a:latin typeface="+mj-lt"/>
+                <a:ea typeface="+mj-ea"/>
+                <a:cs typeface="+mj-cs"/>
+              </a:defRPr>
+            </a:lvl1pPr>
+          </a:lstStyle>
+          <a:p>
+            <a:r>
+              <a:rPr lang="en-US" sz="3400" dirty="0"/>
+              <a:t>3. Login Functionality (Back End)</a:t>
+            </a:r>
+          </a:p>
+        </p:txBody>
+      </p:sp>
+      <p:pic>
+        <p:nvPicPr>
+          <p:cNvPr id="5" name="Picture 4">
+            <a:extLst>
+              <a:ext uri="{FF2B5EF4-FFF2-40B4-BE49-F238E27FC236}">
+                <a16:creationId xmlns:a16="http://schemas.microsoft.com/office/drawing/2014/main" id="{A905267D-778F-4075-81B6-8EC9E072B1D0}"/>
+              </a:ext>
+            </a:extLst>
+          </p:cNvPr>
+          <p:cNvPicPr>
+            <a:picLocks noChangeAspect="1"/>
+          </p:cNvPicPr>
+          <p:nvPr/>
+        </p:nvPicPr>
+        <p:blipFill>
+          <a:blip r:embed="rId2"/>
+          <a:stretch>
+            <a:fillRect/>
+          </a:stretch>
+        </p:blipFill>
+        <p:spPr>
+          <a:xfrm>
+            <a:off x="1343024" y="2668629"/>
+            <a:ext cx="8391284" cy="3761610"/>
+          </a:xfrm>
+          <a:prstGeom prst="rect">
+            <a:avLst/>
+          </a:prstGeom>
+          <a:ln>
+            <a:noFill/>
+          </a:ln>
+          <a:effectLst>
+            <a:outerShdw blurRad="292100" dist="139700" dir="2700000" algn="tl" rotWithShape="0">
+              <a:srgbClr val="333333">
+                <a:alpha val="65000"/>
+              </a:srgbClr>
+            </a:outerShdw>
+          </a:effectLst>
+        </p:spPr>
+      </p:pic>
+      <p:pic>
+        <p:nvPicPr>
+          <p:cNvPr id="9" name="Picture 8">
+            <a:extLst>
+              <a:ext uri="{FF2B5EF4-FFF2-40B4-BE49-F238E27FC236}">
+                <a16:creationId xmlns:a16="http://schemas.microsoft.com/office/drawing/2014/main" id="{71162D06-40FA-484F-8885-81AF62BB4B2B}"/>
+              </a:ext>
+            </a:extLst>
+          </p:cNvPr>
+          <p:cNvPicPr>
+            <a:picLocks noChangeAspect="1"/>
+          </p:cNvPicPr>
+          <p:nvPr/>
+        </p:nvPicPr>
+        <p:blipFill>
+          <a:blip r:embed="rId3"/>
+          <a:stretch>
+            <a:fillRect/>
+          </a:stretch>
+        </p:blipFill>
+        <p:spPr>
+          <a:xfrm>
+            <a:off x="1343024" y="1384160"/>
+            <a:ext cx="3679821" cy="1034949"/>
+          </a:xfrm>
+          <a:prstGeom prst="rect">
+            <a:avLst/>
+          </a:prstGeom>
+          <a:ln>
+            <a:noFill/>
+          </a:ln>
+          <a:effectLst>
+            <a:outerShdw blurRad="292100" dist="139700" dir="2700000" algn="tl" rotWithShape="0">
+              <a:srgbClr val="333333">
+                <a:alpha val="65000"/>
+              </a:srgbClr>
+            </a:outerShdw>
+          </a:effectLst>
+        </p:spPr>
+      </p:pic>
+      <p:sp>
+        <p:nvSpPr>
+          <p:cNvPr id="12" name="Content Placeholder 11">
+            <a:extLst>
+              <a:ext uri="{FF2B5EF4-FFF2-40B4-BE49-F238E27FC236}">
+                <a16:creationId xmlns:a16="http://schemas.microsoft.com/office/drawing/2014/main" id="{4A2B6C21-6D28-4508-A37C-755130D49C2E}"/>
+              </a:ext>
+            </a:extLst>
+          </p:cNvPr>
+          <p:cNvSpPr>
+            <a:spLocks noGrp="1"/>
+          </p:cNvSpPr>
+          <p:nvPr>
+            <p:ph idx="1"/>
+          </p:nvPr>
+        </p:nvSpPr>
+        <p:spPr>
+          <a:xfrm>
+            <a:off x="5768575" y="1244506"/>
+            <a:ext cx="5387105" cy="1314256"/>
+          </a:xfrm>
+        </p:spPr>
+        <p:txBody>
+          <a:bodyPr>
+            <a:normAutofit fontScale="92500"/>
+          </a:bodyPr>
+          <a:lstStyle/>
+          <a:p>
+            <a:r>
+              <a:rPr lang="en-US" sz="2800" dirty="0" err="1"/>
+              <a:t>LoginForm</a:t>
+            </a:r>
+            <a:r>
+              <a:rPr lang="en-US" sz="2800" dirty="0"/>
+              <a:t> for @RequestBody</a:t>
+            </a:r>
+          </a:p>
+          <a:p>
+            <a:r>
+              <a:rPr lang="en-US" sz="2800" dirty="0"/>
+              <a:t>Checks if credentials are correct</a:t>
+            </a:r>
+          </a:p>
+        </p:txBody>
+      </p:sp>
+    </p:spTree>
+    <p:extLst>
+      <p:ext uri="{BB962C8B-B14F-4D97-AF65-F5344CB8AC3E}">
+        <p14:creationId xmlns:p14="http://schemas.microsoft.com/office/powerpoint/2010/main" val="3157253857"/>
+      </p:ext>
+    </p:extLst>
+  </p:cSld>
+  <p:clrMapOvr>
+    <a:masterClrMapping/>
+  </p:clrMapOvr>
+</p:sld>
+</file>
+
+<file path=ppt/slides/slide7.xml><?xml version="1.0" encoding="utf-8"?>
+<p:sld xmlns:a="http://schemas.openxmlformats.org/drawingml/2006/main" xmlns:r="http://schemas.openxmlformats.org/officeDocument/2006/relationships" xmlns:p="http://schemas.openxmlformats.org/presentationml/2006/main">
+  <p:cSld>
+    <p:spTree>
+      <p:nvGrpSpPr>
+        <p:cNvPr id="1" name=""/>
+        <p:cNvGrpSpPr/>
+        <p:nvPr/>
+      </p:nvGrpSpPr>
+      <p:grpSpPr>
+        <a:xfrm>
+          <a:off x="0" y="0"/>
+          <a:ext cx="0" cy="0"/>
+          <a:chOff x="0" y="0"/>
+          <a:chExt cx="0" cy="0"/>
+        </a:xfrm>
+      </p:grpSpPr>
+      <p:sp>
+        <p:nvSpPr>
+          <p:cNvPr id="6" name="Title 4">
+            <a:extLst>
+              <a:ext uri="{FF2B5EF4-FFF2-40B4-BE49-F238E27FC236}">
+                <a16:creationId xmlns:a16="http://schemas.microsoft.com/office/drawing/2014/main" id="{3D6AB751-3DC9-42EA-B372-E7BDF2C738D1}"/>
+              </a:ext>
+            </a:extLst>
+          </p:cNvPr>
+          <p:cNvSpPr txBox="1">
+            <a:spLocks/>
+          </p:cNvSpPr>
+          <p:nvPr/>
+        </p:nvSpPr>
+        <p:spPr>
+          <a:xfrm>
+            <a:off x="1343025" y="514350"/>
+            <a:ext cx="10174062" cy="620290"/>
+          </a:xfrm>
+          <a:prstGeom prst="rect">
+            <a:avLst/>
+          </a:prstGeom>
+        </p:spPr>
+        <p:txBody>
+          <a:bodyPr vert="horz" lIns="91440" tIns="45720" rIns="91440" bIns="45720" rtlCol="0" anchor="t">
+            <a:normAutofit/>
+          </a:bodyPr>
+          <a:lstStyle>
+            <a:lvl1pPr algn="l" defTabSz="914400" rtl="0" eaLnBrk="1" latinLnBrk="0" hangingPunct="1">
+              <a:lnSpc>
+                <a:spcPct val="89000"/>
+              </a:lnSpc>
+              <a:spcBef>
+                <a:spcPct val="0"/>
+              </a:spcBef>
+              <a:buNone/>
+              <a:defRPr sz="4400" kern="1200" baseline="0">
+                <a:solidFill>
+                  <a:schemeClr val="tx2"/>
+                </a:solidFill>
+                <a:latin typeface="+mj-lt"/>
+                <a:ea typeface="+mj-ea"/>
+                <a:cs typeface="+mj-cs"/>
+              </a:defRPr>
+            </a:lvl1pPr>
+          </a:lstStyle>
+          <a:p>
+            <a:r>
+              <a:rPr lang="en-US" sz="3400" dirty="0"/>
+              <a:t>3. Login Functionality (Back End)</a:t>
+            </a:r>
+          </a:p>
+        </p:txBody>
+      </p:sp>
+      <p:pic>
+        <p:nvPicPr>
+          <p:cNvPr id="7" name="Picture 6">
+            <a:extLst>
+              <a:ext uri="{FF2B5EF4-FFF2-40B4-BE49-F238E27FC236}">
+                <a16:creationId xmlns:a16="http://schemas.microsoft.com/office/drawing/2014/main" id="{08FC4C35-3C7B-414E-BF30-FE358D349F75}"/>
+              </a:ext>
+            </a:extLst>
+          </p:cNvPr>
+          <p:cNvPicPr>
+            <a:picLocks noChangeAspect="1"/>
+          </p:cNvPicPr>
+          <p:nvPr/>
+        </p:nvPicPr>
+        <p:blipFill>
+          <a:blip r:embed="rId2"/>
+          <a:stretch>
+            <a:fillRect/>
+          </a:stretch>
+        </p:blipFill>
+        <p:spPr>
+          <a:xfrm>
+            <a:off x="1343025" y="1134640"/>
+            <a:ext cx="3989275" cy="5416631"/>
+          </a:xfrm>
+          <a:prstGeom prst="rect">
+            <a:avLst/>
+          </a:prstGeom>
+          <a:ln>
+            <a:noFill/>
+          </a:ln>
+          <a:effectLst>
+            <a:outerShdw blurRad="292100" dist="139700" dir="2700000" algn="tl" rotWithShape="0">
+              <a:srgbClr val="333333">
+                <a:alpha val="65000"/>
+              </a:srgbClr>
+            </a:outerShdw>
+          </a:effectLst>
+        </p:spPr>
+      </p:pic>
+      <p:sp>
+        <p:nvSpPr>
+          <p:cNvPr id="10" name="Content Placeholder 11">
+            <a:extLst>
+              <a:ext uri="{FF2B5EF4-FFF2-40B4-BE49-F238E27FC236}">
+                <a16:creationId xmlns:a16="http://schemas.microsoft.com/office/drawing/2014/main" id="{53231EDA-235E-426F-A5B6-E7ED75C20B09}"/>
+              </a:ext>
+            </a:extLst>
+          </p:cNvPr>
+          <p:cNvSpPr>
+            <a:spLocks noGrp="1"/>
+          </p:cNvSpPr>
+          <p:nvPr>
+            <p:ph idx="1"/>
+          </p:nvPr>
+        </p:nvSpPr>
+        <p:spPr>
+          <a:xfrm>
+            <a:off x="5942195" y="2378054"/>
+            <a:ext cx="5065329" cy="3582908"/>
+          </a:xfrm>
+        </p:spPr>
+        <p:txBody>
+          <a:bodyPr>
+            <a:normAutofit/>
+          </a:bodyPr>
+          <a:lstStyle/>
+          <a:p>
+            <a:r>
+              <a:rPr lang="en-US" sz="2800" dirty="0"/>
+              <a:t>Retrieve user information if credentials are valid</a:t>
+            </a:r>
+          </a:p>
+        </p:txBody>
+      </p:sp>
+    </p:spTree>
+    <p:extLst>
+      <p:ext uri="{BB962C8B-B14F-4D97-AF65-F5344CB8AC3E}">
+        <p14:creationId xmlns:p14="http://schemas.microsoft.com/office/powerpoint/2010/main" val="599386332"/>
+      </p:ext>
+    </p:extLst>
+  </p:cSld>
+  <p:clrMapOvr>
+    <a:masterClrMapping/>
+  </p:clrMapOvr>
+</p:sld>
+</file>
+
+<file path=ppt/slides/slide8.xml><?xml version="1.0" encoding="utf-8"?>
+<p:sld xmlns:a="http://schemas.openxmlformats.org/drawingml/2006/main" xmlns:r="http://schemas.openxmlformats.org/officeDocument/2006/relationships" xmlns:p="http://schemas.openxmlformats.org/presentationml/2006/main">
+  <p:cSld>
+    <p:spTree>
+      <p:nvGrpSpPr>
+        <p:cNvPr id="1" name=""/>
+        <p:cNvGrpSpPr/>
+        <p:nvPr/>
+      </p:nvGrpSpPr>
+      <p:grpSpPr>
+        <a:xfrm>
+          <a:off x="0" y="0"/>
+          <a:ext cx="0" cy="0"/>
+          <a:chOff x="0" y="0"/>
+          <a:chExt cx="0" cy="0"/>
+        </a:xfrm>
+      </p:grpSpPr>
+      <p:sp>
+        <p:nvSpPr>
           <p:cNvPr id="2" name="Title 1">
             <a:extLst>
               <a:ext uri="{FF2B5EF4-FFF2-40B4-BE49-F238E27FC236}">
@@ -4718,7 +5380,14 @@
             </a:r>
           </a:p>
           <a:p>
-            <a:endParaRPr lang="en-US" dirty="0"/>
+            <a:pPr>
+              <a:buFont typeface="Courier New" panose="02070309020205020404" pitchFamily="49" charset="0"/>
+              <a:buChar char="o"/>
+            </a:pPr>
+            <a:r>
+              <a:rPr lang="en-US" dirty="0"/>
+              <a:t>Some members are inactive </a:t>
+            </a:r>
           </a:p>
           <a:p>
             <a:endParaRPr lang="en-US" dirty="0"/>

--- a/docs/Presentation/milestone3_presentation.pptx
+++ b/docs/Presentation/milestone3_presentation.pptx
@@ -5415,6 +5415,21 @@
             </a:r>
           </a:p>
           <a:p>
+            <a:pPr>
+              <a:buFont typeface="Courier New" panose="02070309020205020404" pitchFamily="49" charset="0"/>
+              <a:buChar char="o"/>
+            </a:pPr>
+            <a:r>
+              <a:rPr lang="en-US" dirty="0" err="1"/>
+              <a:t>Springboot</a:t>
+            </a:r>
+            <a:r>
+              <a:rPr lang="en-US"/>
+              <a:t> annotations</a:t>
+            </a:r>
+            <a:endParaRPr lang="en-US" dirty="0"/>
+          </a:p>
+          <a:p>
             <a:endParaRPr lang="en-US" dirty="0"/>
           </a:p>
         </p:txBody>

--- a/docs/Presentation/milestone3_presentation.pptx
+++ b/docs/Presentation/milestone3_presentation.pptx
@@ -289,7 +289,7 @@
             <a:fld id="{87DE6118-2437-4B30-8E3C-4D2BE6020583}" type="datetimeFigureOut">
               <a:rPr lang="en-US" dirty="0"/>
               <a:pPr/>
-              <a:t>10/14/2020</a:t>
+              <a:t>10/14/20</a:t>
             </a:fld>
             <a:endParaRPr lang="en-US" dirty="0"/>
           </a:p>
@@ -615,7 +615,7 @@
           <a:p>
             <a:fld id="{87DE6118-2437-4B30-8E3C-4D2BE6020583}" type="datetimeFigureOut">
               <a:rPr lang="en-US" dirty="0"/>
-              <a:t>10/14/2020</a:t>
+              <a:t>10/14/20</a:t>
             </a:fld>
             <a:endParaRPr lang="en-US" dirty="0"/>
           </a:p>
@@ -790,7 +790,7 @@
           <a:p>
             <a:fld id="{87DE6118-2437-4B30-8E3C-4D2BE6020583}" type="datetimeFigureOut">
               <a:rPr lang="en-US" dirty="0"/>
-              <a:t>10/14/2020</a:t>
+              <a:t>10/14/20</a:t>
             </a:fld>
             <a:endParaRPr lang="en-US" dirty="0"/>
           </a:p>
@@ -955,7 +955,7 @@
           <a:p>
             <a:fld id="{87DE6118-2437-4B30-8E3C-4D2BE6020583}" type="datetimeFigureOut">
               <a:rPr lang="en-US" dirty="0"/>
-              <a:t>10/14/2020</a:t>
+              <a:t>10/14/20</a:t>
             </a:fld>
             <a:endParaRPr lang="en-US" dirty="0"/>
           </a:p>
@@ -1228,7 +1228,7 @@
             <a:fld id="{87DE6118-2437-4B30-8E3C-4D2BE6020583}" type="datetimeFigureOut">
               <a:rPr lang="en-US" dirty="0"/>
               <a:pPr/>
-              <a:t>10/14/2020</a:t>
+              <a:t>10/14/20</a:t>
             </a:fld>
             <a:endParaRPr lang="en-US" dirty="0"/>
           </a:p>
@@ -1618,7 +1618,7 @@
           <a:p>
             <a:fld id="{87DE6118-2437-4B30-8E3C-4D2BE6020583}" type="datetimeFigureOut">
               <a:rPr lang="en-US" dirty="0"/>
-              <a:t>10/14/2020</a:t>
+              <a:t>10/14/20</a:t>
             </a:fld>
             <a:endParaRPr lang="en-US" dirty="0"/>
           </a:p>
@@ -2090,7 +2090,7 @@
           <a:p>
             <a:fld id="{87DE6118-2437-4B30-8E3C-4D2BE6020583}" type="datetimeFigureOut">
               <a:rPr lang="en-US" dirty="0"/>
-              <a:t>10/14/2020</a:t>
+              <a:t>10/14/20</a:t>
             </a:fld>
             <a:endParaRPr lang="en-US" dirty="0"/>
           </a:p>
@@ -2203,7 +2203,7 @@
           <a:p>
             <a:fld id="{87DE6118-2437-4B30-8E3C-4D2BE6020583}" type="datetimeFigureOut">
               <a:rPr lang="en-US" dirty="0"/>
-              <a:t>10/14/2020</a:t>
+              <a:t>10/14/20</a:t>
             </a:fld>
             <a:endParaRPr lang="en-US" dirty="0"/>
           </a:p>
@@ -2293,7 +2293,7 @@
           <a:p>
             <a:fld id="{87DE6118-2437-4B30-8E3C-4D2BE6020583}" type="datetimeFigureOut">
               <a:rPr lang="en-US" dirty="0"/>
-              <a:t>10/14/2020</a:t>
+              <a:t>10/14/20</a:t>
             </a:fld>
             <a:endParaRPr lang="en-US" dirty="0"/>
           </a:p>
@@ -2635,7 +2635,7 @@
             <a:fld id="{87DE6118-2437-4B30-8E3C-4D2BE6020583}" type="datetimeFigureOut">
               <a:rPr lang="en-US" dirty="0"/>
               <a:pPr/>
-              <a:t>10/14/2020</a:t>
+              <a:t>10/14/20</a:t>
             </a:fld>
             <a:endParaRPr lang="en-US" dirty="0"/>
           </a:p>
@@ -3020,7 +3020,7 @@
             <a:fld id="{87DE6118-2437-4B30-8E3C-4D2BE6020583}" type="datetimeFigureOut">
               <a:rPr lang="en-US" dirty="0"/>
               <a:pPr/>
-              <a:t>10/14/2020</a:t>
+              <a:t>10/14/20</a:t>
             </a:fld>
             <a:endParaRPr lang="en-US" dirty="0"/>
           </a:p>
@@ -3295,7 +3295,7 @@
             <a:fld id="{87DE6118-2437-4B30-8E3C-4D2BE6020583}" type="datetimeFigureOut">
               <a:rPr lang="en-US" dirty="0"/>
               <a:pPr/>
-              <a:t>10/14/2020</a:t>
+              <a:t>10/14/20</a:t>
             </a:fld>
             <a:endParaRPr lang="en-US" dirty="0"/>
           </a:p>
@@ -5289,11 +5289,13 @@
         <p:spPr>
           <a:xfrm>
             <a:off x="1371600" y="1885949"/>
-            <a:ext cx="4724400" cy="4286251"/>
-          </a:xfrm>
-        </p:spPr>
-        <p:txBody>
-          <a:bodyPr/>
+            <a:ext cx="4724400" cy="4778087"/>
+          </a:xfrm>
+        </p:spPr>
+        <p:txBody>
+          <a:bodyPr>
+            <a:normAutofit lnSpcReduction="10000"/>
+          </a:bodyPr>
           <a:lstStyle/>
           <a:p>
             <a:r>
@@ -5312,29 +5314,86 @@
             </a:r>
           </a:p>
           <a:p>
-            <a:endParaRPr lang="en-US" dirty="0"/>
-          </a:p>
-          <a:p>
-            <a:endParaRPr lang="en-US" dirty="0"/>
-          </a:p>
-          <a:p>
-            <a:endParaRPr lang="en-US" dirty="0"/>
-          </a:p>
-          <a:p>
-            <a:r>
-              <a:rPr lang="en-US" sz="2400" dirty="0"/>
-              <a:t>What could be improved?</a:t>
-            </a:r>
-          </a:p>
-          <a:p>
             <a:pPr>
               <a:buFont typeface="Courier New" panose="02070309020205020404" pitchFamily="49" charset="0"/>
               <a:buChar char="o"/>
             </a:pPr>
             <a:r>
               <a:rPr lang="en-US" dirty="0"/>
+              <a:t>Sprints based development process</a:t>
+            </a:r>
+          </a:p>
+          <a:p>
+            <a:pPr>
+              <a:buFont typeface="Courier New" panose="02070309020205020404" pitchFamily="49" charset="0"/>
+              <a:buChar char="o"/>
+            </a:pPr>
+            <a:r>
+              <a:rPr lang="en-US" dirty="0"/>
+              <a:t>Independent coding task</a:t>
+            </a:r>
+          </a:p>
+          <a:p>
+            <a:endParaRPr lang="en-US" dirty="0"/>
+          </a:p>
+          <a:p>
+            <a:pPr marL="0" indent="0">
+              <a:buNone/>
+            </a:pPr>
+            <a:endParaRPr lang="en-US" dirty="0"/>
+          </a:p>
+          <a:p>
+            <a:r>
+              <a:rPr lang="en-US" sz="2400" dirty="0"/>
+              <a:t>What could be improved?</a:t>
+            </a:r>
+          </a:p>
+          <a:p>
+            <a:pPr>
+              <a:buFont typeface="Courier New" panose="02070309020205020404" pitchFamily="49" charset="0"/>
+              <a:buChar char="o"/>
+            </a:pPr>
+            <a:r>
+              <a:rPr lang="en-US" dirty="0"/>
               <a:t>More involvement in CI/CD</a:t>
             </a:r>
+          </a:p>
+          <a:p>
+            <a:pPr>
+              <a:buFont typeface="Courier New" panose="02070309020205020404" pitchFamily="49" charset="0"/>
+              <a:buChar char="o"/>
+            </a:pPr>
+            <a:r>
+              <a:rPr lang="en-US" dirty="0"/>
+              <a:t>Unit testing</a:t>
+            </a:r>
+          </a:p>
+          <a:p>
+            <a:pPr>
+              <a:buFont typeface="Courier New" panose="02070309020205020404" pitchFamily="49" charset="0"/>
+              <a:buChar char="o"/>
+            </a:pPr>
+            <a:r>
+              <a:rPr lang="en-US" dirty="0"/>
+              <a:t>Higher code quality</a:t>
+            </a:r>
+          </a:p>
+          <a:p>
+            <a:pPr>
+              <a:buFont typeface="Courier New" panose="02070309020205020404" pitchFamily="49" charset="0"/>
+              <a:buChar char="o"/>
+            </a:pPr>
+            <a:r>
+              <a:rPr lang="en-US" dirty="0"/>
+              <a:t>Implementation discussion</a:t>
+            </a:r>
+          </a:p>
+          <a:p>
+            <a:pPr>
+              <a:buFont typeface="Courier New" panose="02070309020205020404" pitchFamily="49" charset="0"/>
+              <a:buChar char="o"/>
+            </a:pPr>
+            <a:endParaRPr lang="en-US" dirty="0"/>
           </a:p>
         </p:txBody>
       </p:sp>
@@ -5361,7 +5420,9 @@
           </a:xfrm>
         </p:spPr>
         <p:txBody>
-          <a:bodyPr/>
+          <a:bodyPr>
+            <a:normAutofit lnSpcReduction="10000"/>
+          </a:bodyPr>
           <a:lstStyle/>
           <a:p>
             <a:r>
@@ -5390,28 +5451,58 @@
             </a:r>
           </a:p>
           <a:p>
-            <a:endParaRPr lang="en-US" dirty="0"/>
-          </a:p>
-          <a:p>
-            <a:pPr marL="0" indent="0">
-              <a:buNone/>
-            </a:pPr>
-            <a:endParaRPr lang="en-US" dirty="0"/>
-          </a:p>
-          <a:p>
-            <a:r>
-              <a:rPr lang="en-US" sz="2400" dirty="0"/>
-              <a:t>What did you learn?</a:t>
-            </a:r>
-          </a:p>
-          <a:p>
             <a:pPr>
               <a:buFont typeface="Courier New" panose="02070309020205020404" pitchFamily="49" charset="0"/>
               <a:buChar char="o"/>
             </a:pPr>
             <a:r>
               <a:rPr lang="en-US" dirty="0"/>
+              <a:t>The amount to learn</a:t>
+            </a:r>
+          </a:p>
+          <a:p>
+            <a:endParaRPr lang="en-US" dirty="0"/>
+          </a:p>
+          <a:p>
+            <a:pPr marL="0" indent="0">
+              <a:buNone/>
+            </a:pPr>
+            <a:endParaRPr lang="en-US" dirty="0"/>
+          </a:p>
+          <a:p>
+            <a:r>
+              <a:rPr lang="en-US" sz="2400" dirty="0"/>
+              <a:t>What did you learn?</a:t>
+            </a:r>
+          </a:p>
+          <a:p>
+            <a:pPr>
+              <a:buFont typeface="Courier New" panose="02070309020205020404" pitchFamily="49" charset="0"/>
+              <a:buChar char="o"/>
+            </a:pPr>
+            <a:r>
+              <a:rPr lang="en-US" dirty="0"/>
               <a:t>New platforms and tools</a:t>
+            </a:r>
+          </a:p>
+          <a:p>
+            <a:pPr>
+              <a:buFont typeface="Courier New" panose="02070309020205020404" pitchFamily="49" charset="0"/>
+              <a:buChar char="o"/>
+            </a:pPr>
+            <a:r>
+              <a:rPr lang="en-US" dirty="0"/>
+              <a:t>Scrum</a:t>
+            </a:r>
+          </a:p>
+          <a:p>
+            <a:pPr>
+              <a:buFont typeface="Courier New" panose="02070309020205020404" pitchFamily="49" charset="0"/>
+              <a:buChar char="o"/>
+            </a:pPr>
+            <a:r>
+              <a:rPr lang="en-US" dirty="0"/>
+              <a:t>AWS</a:t>
             </a:r>
           </a:p>
           <a:p>

--- a/docs/Presentation/milestone3_presentation.pptx
+++ b/docs/Presentation/milestone3_presentation.pptx
@@ -5437,7 +5437,7 @@
             </a:pPr>
             <a:r>
               <a:rPr lang="en-US" dirty="0"/>
-              <a:t>Missing group members</a:t>
+              <a:t>Some members are inactive/missing </a:t>
             </a:r>
           </a:p>
           <a:p>
@@ -5447,7 +5447,22 @@
             </a:pPr>
             <a:r>
               <a:rPr lang="en-US" dirty="0"/>
-              <a:t>Some members are inactive </a:t>
+              <a:t>The amount to learn</a:t>
+            </a:r>
+          </a:p>
+          <a:p>
+            <a:endParaRPr lang="en-US" dirty="0"/>
+          </a:p>
+          <a:p>
+            <a:pPr marL="0" indent="0">
+              <a:buNone/>
+            </a:pPr>
+            <a:endParaRPr lang="en-US" dirty="0"/>
+          </a:p>
+          <a:p>
+            <a:r>
+              <a:rPr lang="en-US" sz="2400" dirty="0"/>
+              <a:t>What did you learn?</a:t>
             </a:r>
           </a:p>
           <a:p>
@@ -5457,22 +5472,7 @@
             </a:pPr>
             <a:r>
               <a:rPr lang="en-US" dirty="0"/>
-              <a:t>The amount to learn</a:t>
-            </a:r>
-          </a:p>
-          <a:p>
-            <a:endParaRPr lang="en-US" dirty="0"/>
-          </a:p>
-          <a:p>
-            <a:pPr marL="0" indent="0">
-              <a:buNone/>
-            </a:pPr>
-            <a:endParaRPr lang="en-US" dirty="0"/>
-          </a:p>
-          <a:p>
-            <a:r>
-              <a:rPr lang="en-US" sz="2400" dirty="0"/>
-              <a:t>What did you learn?</a:t>
+              <a:t>New platforms and tools</a:t>
             </a:r>
           </a:p>
           <a:p>
@@ -5482,7 +5482,7 @@
             </a:pPr>
             <a:r>
               <a:rPr lang="en-US" dirty="0"/>
-              <a:t>New platforms and tools</a:t>
+              <a:t>Spring Boot annotations</a:t>
             </a:r>
           </a:p>
           <a:p>

--- a/docs/Presentation/milestone3_presentation.pptx
+++ b/docs/Presentation/milestone3_presentation.pptx
@@ -289,7 +289,7 @@
             <a:fld id="{87DE6118-2437-4B30-8E3C-4D2BE6020583}" type="datetimeFigureOut">
               <a:rPr lang="en-US" dirty="0"/>
               <a:pPr/>
-              <a:t>10/14/20</a:t>
+              <a:t>10/14/2020</a:t>
             </a:fld>
             <a:endParaRPr lang="en-US" dirty="0"/>
           </a:p>
@@ -615,7 +615,7 @@
           <a:p>
             <a:fld id="{87DE6118-2437-4B30-8E3C-4D2BE6020583}" type="datetimeFigureOut">
               <a:rPr lang="en-US" dirty="0"/>
-              <a:t>10/14/20</a:t>
+              <a:t>10/14/2020</a:t>
             </a:fld>
             <a:endParaRPr lang="en-US" dirty="0"/>
           </a:p>
@@ -790,7 +790,7 @@
           <a:p>
             <a:fld id="{87DE6118-2437-4B30-8E3C-4D2BE6020583}" type="datetimeFigureOut">
               <a:rPr lang="en-US" dirty="0"/>
-              <a:t>10/14/20</a:t>
+              <a:t>10/14/2020</a:t>
             </a:fld>
             <a:endParaRPr lang="en-US" dirty="0"/>
           </a:p>
@@ -955,7 +955,7 @@
           <a:p>
             <a:fld id="{87DE6118-2437-4B30-8E3C-4D2BE6020583}" type="datetimeFigureOut">
               <a:rPr lang="en-US" dirty="0"/>
-              <a:t>10/14/20</a:t>
+              <a:t>10/14/2020</a:t>
             </a:fld>
             <a:endParaRPr lang="en-US" dirty="0"/>
           </a:p>
@@ -1228,7 +1228,7 @@
             <a:fld id="{87DE6118-2437-4B30-8E3C-4D2BE6020583}" type="datetimeFigureOut">
               <a:rPr lang="en-US" dirty="0"/>
               <a:pPr/>
-              <a:t>10/14/20</a:t>
+              <a:t>10/14/2020</a:t>
             </a:fld>
             <a:endParaRPr lang="en-US" dirty="0"/>
           </a:p>
@@ -1618,7 +1618,7 @@
           <a:p>
             <a:fld id="{87DE6118-2437-4B30-8E3C-4D2BE6020583}" type="datetimeFigureOut">
               <a:rPr lang="en-US" dirty="0"/>
-              <a:t>10/14/20</a:t>
+              <a:t>10/14/2020</a:t>
             </a:fld>
             <a:endParaRPr lang="en-US" dirty="0"/>
           </a:p>
@@ -2090,7 +2090,7 @@
           <a:p>
             <a:fld id="{87DE6118-2437-4B30-8E3C-4D2BE6020583}" type="datetimeFigureOut">
               <a:rPr lang="en-US" dirty="0"/>
-              <a:t>10/14/20</a:t>
+              <a:t>10/14/2020</a:t>
             </a:fld>
             <a:endParaRPr lang="en-US" dirty="0"/>
           </a:p>
@@ -2203,7 +2203,7 @@
           <a:p>
             <a:fld id="{87DE6118-2437-4B30-8E3C-4D2BE6020583}" type="datetimeFigureOut">
               <a:rPr lang="en-US" dirty="0"/>
-              <a:t>10/14/20</a:t>
+              <a:t>10/14/2020</a:t>
             </a:fld>
             <a:endParaRPr lang="en-US" dirty="0"/>
           </a:p>
@@ -2293,7 +2293,7 @@
           <a:p>
             <a:fld id="{87DE6118-2437-4B30-8E3C-4D2BE6020583}" type="datetimeFigureOut">
               <a:rPr lang="en-US" dirty="0"/>
-              <a:t>10/14/20</a:t>
+              <a:t>10/14/2020</a:t>
             </a:fld>
             <a:endParaRPr lang="en-US" dirty="0"/>
           </a:p>
@@ -2635,7 +2635,7 @@
             <a:fld id="{87DE6118-2437-4B30-8E3C-4D2BE6020583}" type="datetimeFigureOut">
               <a:rPr lang="en-US" dirty="0"/>
               <a:pPr/>
-              <a:t>10/14/20</a:t>
+              <a:t>10/14/2020</a:t>
             </a:fld>
             <a:endParaRPr lang="en-US" dirty="0"/>
           </a:p>
@@ -3020,7 +3020,7 @@
             <a:fld id="{87DE6118-2437-4B30-8E3C-4D2BE6020583}" type="datetimeFigureOut">
               <a:rPr lang="en-US" dirty="0"/>
               <a:pPr/>
-              <a:t>10/14/20</a:t>
+              <a:t>10/14/2020</a:t>
             </a:fld>
             <a:endParaRPr lang="en-US" dirty="0"/>
           </a:p>
@@ -3295,7 +3295,7 @@
             <a:fld id="{87DE6118-2437-4B30-8E3C-4D2BE6020583}" type="datetimeFigureOut">
               <a:rPr lang="en-US" dirty="0"/>
               <a:pPr/>
-              <a:t>10/14/20</a:t>
+              <a:t>10/14/2020</a:t>
             </a:fld>
             <a:endParaRPr lang="en-US" dirty="0"/>
           </a:p>
@@ -4460,7 +4460,7 @@
           <a:p>
             <a:r>
               <a:rPr lang="en-US" sz="3400" dirty="0"/>
-              <a:t>2. Making API for edit schedule (Back End)</a:t>
+              <a:t>2. Making API for Make Booking (Back End)</a:t>
             </a:r>
           </a:p>
         </p:txBody>
@@ -4679,7 +4679,7 @@
           <a:p>
             <a:r>
               <a:rPr lang="en-US" sz="3400" dirty="0"/>
-              <a:t>2. Making API for edit schedule (Back End)</a:t>
+              <a:t>2. Making API for Make Booking (Back End)</a:t>
             </a:r>
           </a:p>
         </p:txBody>
